--- a/StreakBemutato.pptx
+++ b/StreakBemutato.pptx
@@ -5117,8 +5117,8 @@
         </p:nvSpPr>
         <p:spPr>
           <a:xfrm>
-            <a:off x="9455672" y="4906034"/>
-            <a:ext cx="2376264" cy="646331"/>
+            <a:off x="9334772" y="4915346"/>
+            <a:ext cx="2664906" cy="646331"/>
           </a:xfrm>
           <a:prstGeom prst="rect">
             <a:avLst/>
@@ -5178,6 +5178,72 @@
           </a:p>
         </p:txBody>
       </p:sp>
+      <p:pic>
+        <p:nvPicPr>
+          <p:cNvPr id="5" name="Kép 4" descr="A képen személy, Emberi arc, napszemüveg, szemüveg látható&#10;&#10;Előfordulhat, hogy a mesterséges intelligencia által létrehozott tartalom helytelen.">
+            <a:extLst>
+              <a:ext uri="{FF2B5EF4-FFF2-40B4-BE49-F238E27FC236}">
+                <a16:creationId xmlns:a16="http://schemas.microsoft.com/office/drawing/2014/main" id="{A0C718DB-9105-5BFD-4ED9-FB8B63E4F335}"/>
+              </a:ext>
+            </a:extLst>
+          </p:cNvPr>
+          <p:cNvPicPr>
+            <a:picLocks noChangeAspect="1"/>
+          </p:cNvPicPr>
+          <p:nvPr/>
+        </p:nvPicPr>
+        <p:blipFill>
+          <a:blip r:embed="rId4" cstate="print">
+            <a:extLst>
+              <a:ext uri="{28A0092B-C50C-407E-A947-70E740481C1C}">
+                <a14:useLocalDpi xmlns:a14="http://schemas.microsoft.com/office/drawing/2010/main" val="0"/>
+              </a:ext>
+            </a:extLst>
+          </a:blip>
+          <a:stretch>
+            <a:fillRect/>
+          </a:stretch>
+        </p:blipFill>
+        <p:spPr>
+          <a:xfrm rot="5400000">
+            <a:off x="9055379" y="2010471"/>
+            <a:ext cx="3219021" cy="2418436"/>
+          </a:xfrm>
+          <a:prstGeom prst="rect">
+            <a:avLst/>
+          </a:prstGeom>
+          <a:solidFill>
+            <a:srgbClr val="FFFFFF">
+              <a:shade val="85000"/>
+            </a:srgbClr>
+          </a:solidFill>
+          <a:ln w="190500" cap="sq">
+            <a:solidFill>
+              <a:srgbClr val="FFFFFF"/>
+            </a:solidFill>
+            <a:miter lim="800000"/>
+          </a:ln>
+          <a:effectLst>
+            <a:outerShdw blurRad="55000" dist="18000" dir="5400000" algn="tl" rotWithShape="0">
+              <a:srgbClr val="000000">
+                <a:alpha val="40000"/>
+              </a:srgbClr>
+            </a:outerShdw>
+          </a:effectLst>
+          <a:scene3d>
+            <a:camera prst="orthographicFront"/>
+            <a:lightRig rig="twoPt" dir="t">
+              <a:rot lat="0" lon="0" rev="7200000"/>
+            </a:lightRig>
+          </a:scene3d>
+          <a:sp3d>
+            <a:bevelT w="25400" h="19050"/>
+            <a:contourClr>
+              <a:srgbClr val="FFFFFF"/>
+            </a:contourClr>
+          </a:sp3d>
+        </p:spPr>
+      </p:pic>
     </p:spTree>
     <p:extLst>
       <p:ext uri="{BB962C8B-B14F-4D97-AF65-F5344CB8AC3E}">
